--- a/Text/PS1.pptx
+++ b/Text/PS1.pptx
@@ -5,10 +5,10 @@
     <p:sldMasterId id="2147483648" r:id="rId4"/>
   </p:sldMasterIdLst>
   <p:notesMasterIdLst>
-    <p:notesMasterId r:id="rId23"/>
+    <p:notesMasterId r:id="rId22"/>
   </p:notesMasterIdLst>
   <p:handoutMasterIdLst>
-    <p:handoutMasterId r:id="rId24"/>
+    <p:handoutMasterId r:id="rId23"/>
   </p:handoutMasterIdLst>
   <p:sldIdLst>
     <p:sldId id="261" r:id="rId5"/>
@@ -25,10 +25,9 @@
     <p:sldId id="284" r:id="rId16"/>
     <p:sldId id="285" r:id="rId17"/>
     <p:sldId id="286" r:id="rId18"/>
-    <p:sldId id="287" r:id="rId19"/>
-    <p:sldId id="289" r:id="rId20"/>
-    <p:sldId id="290" r:id="rId21"/>
-    <p:sldId id="288" r:id="rId22"/>
+    <p:sldId id="289" r:id="rId19"/>
+    <p:sldId id="290" r:id="rId20"/>
+    <p:sldId id="288" r:id="rId21"/>
   </p:sldIdLst>
   <p:sldSz cx="12192000" cy="6858000"/>
   <p:notesSz cx="6858000" cy="9144000"/>
@@ -241,7 +240,7 @@
             <a:pPr rtl="0"/>
             <a:fld id="{9B619CD7-CE26-4FA0-8CFB-55B592A702BA}" type="datetime1">
               <a:rPr lang="sk-SK" smtClean="0"/>
-              <a:t>6. 5. 2023</a:t>
+              <a:t>11. 5. 2023</a:t>
             </a:fld>
             <a:endParaRPr lang="sk-SK" dirty="0"/>
           </a:p>
@@ -411,7 +410,7 @@
             <a:pPr rtl="0"/>
             <a:fld id="{2A0F6D60-0AC2-48DB-96F8-F9C5972C505F}" type="datetime1">
               <a:rPr lang="sk-SK" noProof="0" smtClean="0"/>
-              <a:t>6. 5. 2023</a:t>
+              <a:t>11. 5. 2023</a:t>
             </a:fld>
             <a:endParaRPr lang="sk-SK" noProof="0" dirty="0"/>
           </a:p>
@@ -1092,7 +1091,7 @@
             <a:pPr rtl="0"/>
             <a:fld id="{82869989-EB00-4EE7-BCB5-25BDC5BB29F8}" type="slidenum">
               <a:rPr lang="sk-SK" smtClean="0"/>
-              <a:t>16</a:t>
+              <a:t>15</a:t>
             </a:fld>
             <a:endParaRPr lang="sk-SK" dirty="0"/>
           </a:p>
@@ -1178,7 +1177,7 @@
             <a:pPr rtl="0"/>
             <a:fld id="{82869989-EB00-4EE7-BCB5-25BDC5BB29F8}" type="slidenum">
               <a:rPr lang="sk-SK" smtClean="0"/>
-              <a:t>18</a:t>
+              <a:t>17</a:t>
             </a:fld>
             <a:endParaRPr lang="sk-SK" dirty="0"/>
           </a:p>
@@ -3334,7 +3333,7 @@
             <a:pPr rtl="0"/>
             <a:fld id="{9732903B-98B1-44A3-8E2D-3008099F2910}" type="datetime1">
               <a:rPr lang="sk-SK" noProof="0" smtClean="0"/>
-              <a:t>6. 5. 2023</a:t>
+              <a:t>11. 5. 2023</a:t>
             </a:fld>
             <a:endParaRPr lang="sk-SK" noProof="0" dirty="0"/>
           </a:p>
@@ -3521,7 +3520,7 @@
             <a:pPr rtl="0"/>
             <a:fld id="{488A9843-625D-4F24-98D6-8078BAC0CF7D}" type="datetime1">
               <a:rPr lang="sk-SK" noProof="0" smtClean="0"/>
-              <a:t>6. 5. 2023</a:t>
+              <a:t>11. 5. 2023</a:t>
             </a:fld>
             <a:endParaRPr lang="sk-SK" noProof="0" dirty="0"/>
           </a:p>
@@ -3698,7 +3697,7 @@
             <a:pPr rtl="0"/>
             <a:fld id="{32FCA4E1-81AC-4874-ADDE-D431E99293B3}" type="datetime1">
               <a:rPr lang="sk-SK" noProof="0" smtClean="0"/>
-              <a:t>6. 5. 2023</a:t>
+              <a:t>11. 5. 2023</a:t>
             </a:fld>
             <a:endParaRPr lang="sk-SK" noProof="0" dirty="0"/>
           </a:p>
@@ -6022,7 +6021,7 @@
             <a:pPr rtl="0"/>
             <a:fld id="{1D644879-38CA-47C5-B829-4317F6B2188F}" type="datetime1">
               <a:rPr lang="sk-SK" noProof="0" smtClean="0"/>
-              <a:t>6. 5. 2023</a:t>
+              <a:t>11. 5. 2023</a:t>
             </a:fld>
             <a:endParaRPr lang="sk-SK" noProof="0" dirty="0"/>
           </a:p>
@@ -6469,7 +6468,7 @@
             <a:pPr rtl="0"/>
             <a:fld id="{7E8B6E9C-3251-442E-B503-3348DA807258}" type="datetime1">
               <a:rPr lang="sk-SK" noProof="0" smtClean="0"/>
-              <a:t>6. 5. 2023</a:t>
+              <a:t>11. 5. 2023</a:t>
             </a:fld>
             <a:endParaRPr lang="sk-SK" noProof="0" dirty="0"/>
           </a:p>
@@ -6594,7 +6593,7 @@
             <a:pPr rtl="0"/>
             <a:fld id="{8FA4646F-4E75-40AA-B88A-94035EEF8D97}" type="datetime1">
               <a:rPr lang="sk-SK" noProof="0" smtClean="0"/>
-              <a:t>6. 5. 2023</a:t>
+              <a:t>11. 5. 2023</a:t>
             </a:fld>
             <a:endParaRPr lang="sk-SK" noProof="0" dirty="0"/>
           </a:p>
@@ -8518,7 +8517,7 @@
             <a:pPr rtl="0"/>
             <a:fld id="{D9E8D42D-D67C-4122-921F-590033323AB7}" type="datetime1">
               <a:rPr lang="sk-SK" noProof="0" smtClean="0"/>
-              <a:t>6. 5. 2023</a:t>
+              <a:t>11. 5. 2023</a:t>
             </a:fld>
             <a:endParaRPr lang="sk-SK" noProof="0" dirty="0"/>
           </a:p>
@@ -10768,7 +10767,7 @@
             <a:pPr rtl="0"/>
             <a:fld id="{4D4C4CCB-A60A-4541-86F2-7DE5D61B560E}" type="datetime1">
               <a:rPr lang="sk-SK" noProof="0" smtClean="0"/>
-              <a:t>6. 5. 2023</a:t>
+              <a:t>11. 5. 2023</a:t>
             </a:fld>
             <a:endParaRPr lang="sk-SK" noProof="0" dirty="0"/>
           </a:p>
@@ -15044,7 +15043,7 @@
             <a:pPr rtl="0"/>
             <a:fld id="{C9E53B89-09F6-40E4-8803-8B905E1EA10F}" type="datetime1">
               <a:rPr lang="sk-SK" noProof="0" smtClean="0"/>
-              <a:t>6. 5. 2023</a:t>
+              <a:t>11. 5. 2023</a:t>
             </a:fld>
             <a:endParaRPr lang="sk-SK" noProof="0" dirty="0"/>
           </a:p>
@@ -16332,201 +16331,6 @@
       </p:grpSpPr>
       <p:sp>
         <p:nvSpPr>
-          <p:cNvPr id="2" name="Nadpis 1">
-            <a:extLst>
-              <a:ext uri="{FF2B5EF4-FFF2-40B4-BE49-F238E27FC236}">
-                <a16:creationId xmlns:a16="http://schemas.microsoft.com/office/drawing/2014/main" id="{7C45241B-83EE-D4A0-D2C3-B9B20E49C008}"/>
-              </a:ext>
-            </a:extLst>
-          </p:cNvPr>
-          <p:cNvSpPr>
-            <a:spLocks noGrp="1"/>
-          </p:cNvSpPr>
-          <p:nvPr>
-            <p:ph type="title"/>
-          </p:nvPr>
-        </p:nvSpPr>
-        <p:spPr/>
-        <p:txBody>
-          <a:bodyPr>
-            <a:normAutofit/>
-          </a:bodyPr>
-          <a:lstStyle/>
-          <a:p>
-            <a:r>
-              <a:rPr lang="en-US" dirty="0"/>
-              <a:t>Making Programming Accessible to Learners with</a:t>
-            </a:r>
-            <a:r>
-              <a:rPr lang="sk-SK" dirty="0"/>
-              <a:t> </a:t>
-            </a:r>
-            <a:r>
-              <a:rPr lang="en-US" dirty="0"/>
-              <a:t>Visual Impairments: A</a:t>
-            </a:r>
-            <a:r>
-              <a:rPr lang="sk-SK" dirty="0"/>
-              <a:t> </a:t>
-            </a:r>
-            <a:r>
-              <a:rPr lang="en-US" dirty="0"/>
-              <a:t>Literature Review</a:t>
-            </a:r>
-            <a:endParaRPr lang="sk-SK" dirty="0"/>
-          </a:p>
-        </p:txBody>
-      </p:sp>
-      <p:sp>
-        <p:nvSpPr>
-          <p:cNvPr id="3" name="Zástupný objekt pre obsah 2">
-            <a:extLst>
-              <a:ext uri="{FF2B5EF4-FFF2-40B4-BE49-F238E27FC236}">
-                <a16:creationId xmlns:a16="http://schemas.microsoft.com/office/drawing/2014/main" id="{B18B8802-6368-C3BE-2DAE-238C672D10C5}"/>
-              </a:ext>
-            </a:extLst>
-          </p:cNvPr>
-          <p:cNvSpPr>
-            <a:spLocks noGrp="1"/>
-          </p:cNvSpPr>
-          <p:nvPr>
-            <p:ph idx="1"/>
-          </p:nvPr>
-        </p:nvSpPr>
-        <p:spPr/>
-        <p:txBody>
-          <a:bodyPr/>
-          <a:lstStyle/>
-          <a:p>
-            <a:r>
-              <a:rPr lang="sk-SK" dirty="0"/>
-              <a:t>Alex </a:t>
-            </a:r>
-            <a:r>
-              <a:rPr lang="sk-SK" dirty="0" err="1"/>
-              <a:t>Hadwen-Bennett</a:t>
-            </a:r>
-            <a:endParaRPr lang="sk-SK" dirty="0"/>
-          </a:p>
-          <a:p>
-            <a:r>
-              <a:rPr lang="sk-SK" dirty="0" err="1"/>
-              <a:t>Sue</a:t>
-            </a:r>
-            <a:r>
-              <a:rPr lang="sk-SK" dirty="0"/>
-              <a:t> </a:t>
-            </a:r>
-            <a:r>
-              <a:rPr lang="sk-SK" dirty="0" err="1"/>
-              <a:t>Sentance</a:t>
-            </a:r>
-            <a:endParaRPr lang="sk-SK" dirty="0"/>
-          </a:p>
-        </p:txBody>
-      </p:sp>
-      <p:pic>
-        <p:nvPicPr>
-          <p:cNvPr id="5" name="Obrázok 4">
-            <a:extLst>
-              <a:ext uri="{FF2B5EF4-FFF2-40B4-BE49-F238E27FC236}">
-                <a16:creationId xmlns:a16="http://schemas.microsoft.com/office/drawing/2014/main" id="{077C202D-1D6C-C704-0063-0F1996714203}"/>
-              </a:ext>
-            </a:extLst>
-          </p:cNvPr>
-          <p:cNvPicPr>
-            <a:picLocks noChangeAspect="1"/>
-          </p:cNvPicPr>
-          <p:nvPr/>
-        </p:nvPicPr>
-        <p:blipFill>
-          <a:blip r:embed="rId2"/>
-          <a:stretch>
-            <a:fillRect/>
-          </a:stretch>
-        </p:blipFill>
-        <p:spPr>
-          <a:xfrm>
-            <a:off x="4240384" y="1990726"/>
-            <a:ext cx="7351541" cy="2495550"/>
-          </a:xfrm>
-          <a:prstGeom prst="rect">
-            <a:avLst/>
-          </a:prstGeom>
-          <a:ln w="12700">
-            <a:solidFill>
-              <a:schemeClr val="tx1"/>
-            </a:solidFill>
-          </a:ln>
-        </p:spPr>
-      </p:pic>
-      <p:pic>
-        <p:nvPicPr>
-          <p:cNvPr id="7" name="Obrázok 6">
-            <a:extLst>
-              <a:ext uri="{FF2B5EF4-FFF2-40B4-BE49-F238E27FC236}">
-                <a16:creationId xmlns:a16="http://schemas.microsoft.com/office/drawing/2014/main" id="{E5E96093-1443-A4CD-5F2A-CD0D719906F3}"/>
-              </a:ext>
-            </a:extLst>
-          </p:cNvPr>
-          <p:cNvPicPr>
-            <a:picLocks noChangeAspect="1"/>
-          </p:cNvPicPr>
-          <p:nvPr/>
-        </p:nvPicPr>
-        <p:blipFill>
-          <a:blip r:embed="rId3"/>
-          <a:stretch>
-            <a:fillRect/>
-          </a:stretch>
-        </p:blipFill>
-        <p:spPr>
-          <a:xfrm>
-            <a:off x="841941" y="3248026"/>
-            <a:ext cx="5568384" cy="2495550"/>
-          </a:xfrm>
-          <a:prstGeom prst="rect">
-            <a:avLst/>
-          </a:prstGeom>
-          <a:ln w="12700">
-            <a:solidFill>
-              <a:schemeClr val="tx1"/>
-            </a:solidFill>
-          </a:ln>
-        </p:spPr>
-      </p:pic>
-    </p:spTree>
-    <p:extLst>
-      <p:ext uri="{BB962C8B-B14F-4D97-AF65-F5344CB8AC3E}">
-        <p14:creationId xmlns:p14="http://schemas.microsoft.com/office/powerpoint/2010/main" val="740890553"/>
-      </p:ext>
-    </p:extLst>
-  </p:cSld>
-  <p:clrMapOvr>
-    <a:masterClrMapping/>
-  </p:clrMapOvr>
-</p:sld>
-</file>
-
-<file path=ppt/slides/slide16.xml><?xml version="1.0" encoding="utf-8"?>
-<p:sld xmlns:a="http://schemas.openxmlformats.org/drawingml/2006/main" xmlns:r="http://schemas.openxmlformats.org/officeDocument/2006/relationships" xmlns:p="http://schemas.openxmlformats.org/presentationml/2006/main">
-  <p:cSld>
-    <p:spTree>
-      <p:nvGrpSpPr>
-        <p:cNvPr id="1" name=""/>
-        <p:cNvGrpSpPr/>
-        <p:nvPr/>
-      </p:nvGrpSpPr>
-      <p:grpSpPr>
-        <a:xfrm>
-          <a:off x="0" y="0"/>
-          <a:ext cx="0" cy="0"/>
-          <a:chOff x="0" y="0"/>
-          <a:chExt cx="0" cy="0"/>
-        </a:xfrm>
-      </p:grpSpPr>
-      <p:sp>
-        <p:nvSpPr>
           <p:cNvPr id="2" name="Nadpis 1"/>
           <p:cNvSpPr>
             <a:spLocks noGrp="1"/>
@@ -16576,7 +16380,7 @@
 </p:sld>
 </file>
 
-<file path=ppt/slides/slide17.xml><?xml version="1.0" encoding="utf-8"?>
+<file path=ppt/slides/slide16.xml><?xml version="1.0" encoding="utf-8"?>
 <p:sld xmlns:a="http://schemas.openxmlformats.org/drawingml/2006/main" xmlns:r="http://schemas.openxmlformats.org/officeDocument/2006/relationships" xmlns:p="http://schemas.openxmlformats.org/presentationml/2006/main">
   <p:cSld>
     <p:spTree>
@@ -16716,7 +16520,7 @@
 </p:sld>
 </file>
 
-<file path=ppt/slides/slide18.xml><?xml version="1.0" encoding="utf-8"?>
+<file path=ppt/slides/slide17.xml><?xml version="1.0" encoding="utf-8"?>
 <p:sld xmlns:a="http://schemas.openxmlformats.org/drawingml/2006/main" xmlns:r="http://schemas.openxmlformats.org/officeDocument/2006/relationships" xmlns:p="http://schemas.openxmlformats.org/presentationml/2006/main">
   <p:cSld>
     <p:spTree>
@@ -18827,18 +18631,18 @@
 </file>
 
 <file path=customXml/item2.xml><?xml version="1.0" encoding="utf-8"?>
+<p:properties xmlns:p="http://schemas.microsoft.com/office/2006/metadata/properties" xmlns:xsi="http://www.w3.org/2001/XMLSchema-instance" xmlns:pc="http://schemas.microsoft.com/office/infopath/2007/PartnerControls">
+  <documentManagement/>
+</p:properties>
+</file>
+
+<file path=customXml/item3.xml><?xml version="1.0" encoding="utf-8"?>
 <?mso-contentType ?>
 <FormTemplates xmlns="http://schemas.microsoft.com/sharepoint/v3/contenttype/forms">
   <Display>DocumentLibraryForm</Display>
   <Edit>DocumentLibraryForm</Edit>
   <New>DocumentLibraryForm</New>
 </FormTemplates>
-</file>
-
-<file path=customXml/item3.xml><?xml version="1.0" encoding="utf-8"?>
-<p:properties xmlns:p="http://schemas.microsoft.com/office/2006/metadata/properties" xmlns:xsi="http://www.w3.org/2001/XMLSchema-instance" xmlns:pc="http://schemas.microsoft.com/office/infopath/2007/PartnerControls">
-  <documentManagement/>
-</p:properties>
 </file>
 
 <file path=customXml/itemProps1.xml><?xml version="1.0" encoding="utf-8"?>
@@ -18861,14 +18665,6 @@
 </file>
 
 <file path=customXml/itemProps2.xml><?xml version="1.0" encoding="utf-8"?>
-<ds:datastoreItem xmlns:ds="http://schemas.openxmlformats.org/officeDocument/2006/customXml" ds:itemID="{A3988895-AB5A-40A9-A19B-5E5E94E7C1B0}">
-  <ds:schemaRefs>
-    <ds:schemaRef ds:uri="http://schemas.microsoft.com/sharepoint/v3/contenttype/forms"/>
-  </ds:schemaRefs>
-</ds:datastoreItem>
-</file>
-
-<file path=customXml/itemProps3.xml><?xml version="1.0" encoding="utf-8"?>
 <ds:datastoreItem xmlns:ds="http://schemas.openxmlformats.org/officeDocument/2006/customXml" ds:itemID="{EA58D836-D13E-40E7-BD3F-E25433B9F632}">
   <ds:schemaRefs>
     <ds:schemaRef ds:uri="http://purl.org/dc/dcmitype/"/>
@@ -18883,4 +18679,12 @@
     <ds:schemaRef ds:uri="http://purl.org/dc/terms/"/>
   </ds:schemaRefs>
 </ds:datastoreItem>
+</file>
+
+<file path=customXml/itemProps3.xml><?xml version="1.0" encoding="utf-8"?>
+<ds:datastoreItem xmlns:ds="http://schemas.openxmlformats.org/officeDocument/2006/customXml" ds:itemID="{A3988895-AB5A-40A9-A19B-5E5E94E7C1B0}">
+  <ds:schemaRefs>
+    <ds:schemaRef ds:uri="http://schemas.microsoft.com/sharepoint/v3/contenttype/forms"/>
+  </ds:schemaRefs>
+</ds:datastoreItem>
 </file>